--- a/classic machine learning/团队讲解课件/kmeans.pptx
+++ b/classic machine learning/团队讲解课件/kmeans.pptx
@@ -6,14 +6,10 @@
   </p:sldMasterIdLst>
   <p:sldIdLst>
     <p:sldId id="256" r:id="rId2"/>
-    <p:sldId id="259" r:id="rId3"/>
-    <p:sldId id="257" r:id="rId4"/>
-    <p:sldId id="258" r:id="rId5"/>
+    <p:sldId id="257" r:id="rId3"/>
+    <p:sldId id="258" r:id="rId4"/>
+    <p:sldId id="259" r:id="rId5"/>
     <p:sldId id="260" r:id="rId6"/>
-    <p:sldId id="263" r:id="rId7"/>
-    <p:sldId id="264" r:id="rId8"/>
-    <p:sldId id="261" r:id="rId9"/>
-    <p:sldId id="262" r:id="rId10"/>
   </p:sldIdLst>
   <p:sldSz cx="12192000" cy="6858000"/>
   <p:notesSz cx="6858000" cy="9144000"/>
@@ -112,11 +108,6 @@
       </a:defRPr>
     </a:lvl9pPr>
   </p:defaultTextStyle>
-  <p:extLst>
-    <p:ext uri="{EFAFB233-063F-42B5-8137-9DF3F51BA10A}">
-      <p15:sldGuideLst xmlns:p15="http://schemas.microsoft.com/office/powerpoint/2012/main"/>
-    </p:ext>
-  </p:extLst>
 </p:presentation>
 </file>
 
@@ -249,9 +240,9 @@
           <a:bodyPr/>
           <a:lstStyle/>
           <a:p>
-            <a:fld id="{CDE776D3-5318-4FF4-A181-E17F690F1411}" type="datetimeFigureOut">
-              <a:rPr lang="zh-CN" altLang="en-US" smtClean="0"/>
-              <a:t>2016/4/25</a:t>
+            <a:fld id="{4AC71409-4165-496A-8A36-48E20BAA80A4}" type="datetimeFigureOut">
+              <a:rPr lang="zh-CN" altLang="en-US" smtClean="0"/>
+              <a:t>2016/7/4</a:t>
             </a:fld>
             <a:endParaRPr lang="zh-CN" altLang="en-US"/>
           </a:p>
@@ -291,7 +282,7 @@
           <a:bodyPr/>
           <a:lstStyle/>
           <a:p>
-            <a:fld id="{7CB177EF-6D58-4449-9E3D-21442887CFA4}" type="slidenum">
+            <a:fld id="{31163AF7-19CB-4426-8721-768A05F740E3}" type="slidenum">
               <a:rPr lang="zh-CN" altLang="en-US" smtClean="0"/>
               <a:t>‹#›</a:t>
             </a:fld>
@@ -302,7 +293,7 @@
     </p:spTree>
     <p:extLst>
       <p:ext uri="{BB962C8B-B14F-4D97-AF65-F5344CB8AC3E}">
-        <p14:creationId xmlns:p14="http://schemas.microsoft.com/office/powerpoint/2010/main" val="205032249"/>
+        <p14:creationId xmlns:p14="http://schemas.microsoft.com/office/powerpoint/2010/main" val="3700985212"/>
       </p:ext>
     </p:extLst>
   </p:cSld>
@@ -419,9 +410,9 @@
           <a:bodyPr/>
           <a:lstStyle/>
           <a:p>
-            <a:fld id="{CDE776D3-5318-4FF4-A181-E17F690F1411}" type="datetimeFigureOut">
-              <a:rPr lang="zh-CN" altLang="en-US" smtClean="0"/>
-              <a:t>2016/4/25</a:t>
+            <a:fld id="{4AC71409-4165-496A-8A36-48E20BAA80A4}" type="datetimeFigureOut">
+              <a:rPr lang="zh-CN" altLang="en-US" smtClean="0"/>
+              <a:t>2016/7/4</a:t>
             </a:fld>
             <a:endParaRPr lang="zh-CN" altLang="en-US"/>
           </a:p>
@@ -461,7 +452,7 @@
           <a:bodyPr/>
           <a:lstStyle/>
           <a:p>
-            <a:fld id="{7CB177EF-6D58-4449-9E3D-21442887CFA4}" type="slidenum">
+            <a:fld id="{31163AF7-19CB-4426-8721-768A05F740E3}" type="slidenum">
               <a:rPr lang="zh-CN" altLang="en-US" smtClean="0"/>
               <a:t>‹#›</a:t>
             </a:fld>
@@ -472,7 +463,7 @@
     </p:spTree>
     <p:extLst>
       <p:ext uri="{BB962C8B-B14F-4D97-AF65-F5344CB8AC3E}">
-        <p14:creationId xmlns:p14="http://schemas.microsoft.com/office/powerpoint/2010/main" val="1123127032"/>
+        <p14:creationId xmlns:p14="http://schemas.microsoft.com/office/powerpoint/2010/main" val="216546904"/>
       </p:ext>
     </p:extLst>
   </p:cSld>
@@ -599,9 +590,9 @@
           <a:bodyPr/>
           <a:lstStyle/>
           <a:p>
-            <a:fld id="{CDE776D3-5318-4FF4-A181-E17F690F1411}" type="datetimeFigureOut">
-              <a:rPr lang="zh-CN" altLang="en-US" smtClean="0"/>
-              <a:t>2016/4/25</a:t>
+            <a:fld id="{4AC71409-4165-496A-8A36-48E20BAA80A4}" type="datetimeFigureOut">
+              <a:rPr lang="zh-CN" altLang="en-US" smtClean="0"/>
+              <a:t>2016/7/4</a:t>
             </a:fld>
             <a:endParaRPr lang="zh-CN" altLang="en-US"/>
           </a:p>
@@ -641,7 +632,7 @@
           <a:bodyPr/>
           <a:lstStyle/>
           <a:p>
-            <a:fld id="{7CB177EF-6D58-4449-9E3D-21442887CFA4}" type="slidenum">
+            <a:fld id="{31163AF7-19CB-4426-8721-768A05F740E3}" type="slidenum">
               <a:rPr lang="zh-CN" altLang="en-US" smtClean="0"/>
               <a:t>‹#›</a:t>
             </a:fld>
@@ -652,7 +643,7 @@
     </p:spTree>
     <p:extLst>
       <p:ext uri="{BB962C8B-B14F-4D97-AF65-F5344CB8AC3E}">
-        <p14:creationId xmlns:p14="http://schemas.microsoft.com/office/powerpoint/2010/main" val="2708624959"/>
+        <p14:creationId xmlns:p14="http://schemas.microsoft.com/office/powerpoint/2010/main" val="2963537684"/>
       </p:ext>
     </p:extLst>
   </p:cSld>
@@ -769,9 +760,9 @@
           <a:bodyPr/>
           <a:lstStyle/>
           <a:p>
-            <a:fld id="{CDE776D3-5318-4FF4-A181-E17F690F1411}" type="datetimeFigureOut">
-              <a:rPr lang="zh-CN" altLang="en-US" smtClean="0"/>
-              <a:t>2016/4/25</a:t>
+            <a:fld id="{4AC71409-4165-496A-8A36-48E20BAA80A4}" type="datetimeFigureOut">
+              <a:rPr lang="zh-CN" altLang="en-US" smtClean="0"/>
+              <a:t>2016/7/4</a:t>
             </a:fld>
             <a:endParaRPr lang="zh-CN" altLang="en-US"/>
           </a:p>
@@ -811,7 +802,7 @@
           <a:bodyPr/>
           <a:lstStyle/>
           <a:p>
-            <a:fld id="{7CB177EF-6D58-4449-9E3D-21442887CFA4}" type="slidenum">
+            <a:fld id="{31163AF7-19CB-4426-8721-768A05F740E3}" type="slidenum">
               <a:rPr lang="zh-CN" altLang="en-US" smtClean="0"/>
               <a:t>‹#›</a:t>
             </a:fld>
@@ -822,7 +813,7 @@
     </p:spTree>
     <p:extLst>
       <p:ext uri="{BB962C8B-B14F-4D97-AF65-F5344CB8AC3E}">
-        <p14:creationId xmlns:p14="http://schemas.microsoft.com/office/powerpoint/2010/main" val="1869088580"/>
+        <p14:creationId xmlns:p14="http://schemas.microsoft.com/office/powerpoint/2010/main" val="4051978290"/>
       </p:ext>
     </p:extLst>
   </p:cSld>
@@ -1015,9 +1006,9 @@
           <a:bodyPr/>
           <a:lstStyle/>
           <a:p>
-            <a:fld id="{CDE776D3-5318-4FF4-A181-E17F690F1411}" type="datetimeFigureOut">
-              <a:rPr lang="zh-CN" altLang="en-US" smtClean="0"/>
-              <a:t>2016/4/25</a:t>
+            <a:fld id="{4AC71409-4165-496A-8A36-48E20BAA80A4}" type="datetimeFigureOut">
+              <a:rPr lang="zh-CN" altLang="en-US" smtClean="0"/>
+              <a:t>2016/7/4</a:t>
             </a:fld>
             <a:endParaRPr lang="zh-CN" altLang="en-US"/>
           </a:p>
@@ -1057,7 +1048,7 @@
           <a:bodyPr/>
           <a:lstStyle/>
           <a:p>
-            <a:fld id="{7CB177EF-6D58-4449-9E3D-21442887CFA4}" type="slidenum">
+            <a:fld id="{31163AF7-19CB-4426-8721-768A05F740E3}" type="slidenum">
               <a:rPr lang="zh-CN" altLang="en-US" smtClean="0"/>
               <a:t>‹#›</a:t>
             </a:fld>
@@ -1068,7 +1059,7 @@
     </p:spTree>
     <p:extLst>
       <p:ext uri="{BB962C8B-B14F-4D97-AF65-F5344CB8AC3E}">
-        <p14:creationId xmlns:p14="http://schemas.microsoft.com/office/powerpoint/2010/main" val="2603809315"/>
+        <p14:creationId xmlns:p14="http://schemas.microsoft.com/office/powerpoint/2010/main" val="174962036"/>
       </p:ext>
     </p:extLst>
   </p:cSld>
@@ -1247,9 +1238,9 @@
           <a:bodyPr/>
           <a:lstStyle/>
           <a:p>
-            <a:fld id="{CDE776D3-5318-4FF4-A181-E17F690F1411}" type="datetimeFigureOut">
-              <a:rPr lang="zh-CN" altLang="en-US" smtClean="0"/>
-              <a:t>2016/4/25</a:t>
+            <a:fld id="{4AC71409-4165-496A-8A36-48E20BAA80A4}" type="datetimeFigureOut">
+              <a:rPr lang="zh-CN" altLang="en-US" smtClean="0"/>
+              <a:t>2016/7/4</a:t>
             </a:fld>
             <a:endParaRPr lang="zh-CN" altLang="en-US"/>
           </a:p>
@@ -1289,7 +1280,7 @@
           <a:bodyPr/>
           <a:lstStyle/>
           <a:p>
-            <a:fld id="{7CB177EF-6D58-4449-9E3D-21442887CFA4}" type="slidenum">
+            <a:fld id="{31163AF7-19CB-4426-8721-768A05F740E3}" type="slidenum">
               <a:rPr lang="zh-CN" altLang="en-US" smtClean="0"/>
               <a:t>‹#›</a:t>
             </a:fld>
@@ -1300,7 +1291,7 @@
     </p:spTree>
     <p:extLst>
       <p:ext uri="{BB962C8B-B14F-4D97-AF65-F5344CB8AC3E}">
-        <p14:creationId xmlns:p14="http://schemas.microsoft.com/office/powerpoint/2010/main" val="383771163"/>
+        <p14:creationId xmlns:p14="http://schemas.microsoft.com/office/powerpoint/2010/main" val="622895862"/>
       </p:ext>
     </p:extLst>
   </p:cSld>
@@ -1614,9 +1605,9 @@
           <a:bodyPr/>
           <a:lstStyle/>
           <a:p>
-            <a:fld id="{CDE776D3-5318-4FF4-A181-E17F690F1411}" type="datetimeFigureOut">
-              <a:rPr lang="zh-CN" altLang="en-US" smtClean="0"/>
-              <a:t>2016/4/25</a:t>
+            <a:fld id="{4AC71409-4165-496A-8A36-48E20BAA80A4}" type="datetimeFigureOut">
+              <a:rPr lang="zh-CN" altLang="en-US" smtClean="0"/>
+              <a:t>2016/7/4</a:t>
             </a:fld>
             <a:endParaRPr lang="zh-CN" altLang="en-US"/>
           </a:p>
@@ -1656,7 +1647,7 @@
           <a:bodyPr/>
           <a:lstStyle/>
           <a:p>
-            <a:fld id="{7CB177EF-6D58-4449-9E3D-21442887CFA4}" type="slidenum">
+            <a:fld id="{31163AF7-19CB-4426-8721-768A05F740E3}" type="slidenum">
               <a:rPr lang="zh-CN" altLang="en-US" smtClean="0"/>
               <a:t>‹#›</a:t>
             </a:fld>
@@ -1667,7 +1658,7 @@
     </p:spTree>
     <p:extLst>
       <p:ext uri="{BB962C8B-B14F-4D97-AF65-F5344CB8AC3E}">
-        <p14:creationId xmlns:p14="http://schemas.microsoft.com/office/powerpoint/2010/main" val="442997318"/>
+        <p14:creationId xmlns:p14="http://schemas.microsoft.com/office/powerpoint/2010/main" val="2106433285"/>
       </p:ext>
     </p:extLst>
   </p:cSld>
@@ -1732,9 +1723,9 @@
           <a:bodyPr/>
           <a:lstStyle/>
           <a:p>
-            <a:fld id="{CDE776D3-5318-4FF4-A181-E17F690F1411}" type="datetimeFigureOut">
-              <a:rPr lang="zh-CN" altLang="en-US" smtClean="0"/>
-              <a:t>2016/4/25</a:t>
+            <a:fld id="{4AC71409-4165-496A-8A36-48E20BAA80A4}" type="datetimeFigureOut">
+              <a:rPr lang="zh-CN" altLang="en-US" smtClean="0"/>
+              <a:t>2016/7/4</a:t>
             </a:fld>
             <a:endParaRPr lang="zh-CN" altLang="en-US"/>
           </a:p>
@@ -1774,7 +1765,7 @@
           <a:bodyPr/>
           <a:lstStyle/>
           <a:p>
-            <a:fld id="{7CB177EF-6D58-4449-9E3D-21442887CFA4}" type="slidenum">
+            <a:fld id="{31163AF7-19CB-4426-8721-768A05F740E3}" type="slidenum">
               <a:rPr lang="zh-CN" altLang="en-US" smtClean="0"/>
               <a:t>‹#›</a:t>
             </a:fld>
@@ -1785,7 +1776,7 @@
     </p:spTree>
     <p:extLst>
       <p:ext uri="{BB962C8B-B14F-4D97-AF65-F5344CB8AC3E}">
-        <p14:creationId xmlns:p14="http://schemas.microsoft.com/office/powerpoint/2010/main" val="2476682950"/>
+        <p14:creationId xmlns:p14="http://schemas.microsoft.com/office/powerpoint/2010/main" val="905249120"/>
       </p:ext>
     </p:extLst>
   </p:cSld>
@@ -1827,9 +1818,9 @@
           <a:bodyPr/>
           <a:lstStyle/>
           <a:p>
-            <a:fld id="{CDE776D3-5318-4FF4-A181-E17F690F1411}" type="datetimeFigureOut">
-              <a:rPr lang="zh-CN" altLang="en-US" smtClean="0"/>
-              <a:t>2016/4/25</a:t>
+            <a:fld id="{4AC71409-4165-496A-8A36-48E20BAA80A4}" type="datetimeFigureOut">
+              <a:rPr lang="zh-CN" altLang="en-US" smtClean="0"/>
+              <a:t>2016/7/4</a:t>
             </a:fld>
             <a:endParaRPr lang="zh-CN" altLang="en-US"/>
           </a:p>
@@ -1869,7 +1860,7 @@
           <a:bodyPr/>
           <a:lstStyle/>
           <a:p>
-            <a:fld id="{7CB177EF-6D58-4449-9E3D-21442887CFA4}" type="slidenum">
+            <a:fld id="{31163AF7-19CB-4426-8721-768A05F740E3}" type="slidenum">
               <a:rPr lang="zh-CN" altLang="en-US" smtClean="0"/>
               <a:t>‹#›</a:t>
             </a:fld>
@@ -1880,7 +1871,7 @@
     </p:spTree>
     <p:extLst>
       <p:ext uri="{BB962C8B-B14F-4D97-AF65-F5344CB8AC3E}">
-        <p14:creationId xmlns:p14="http://schemas.microsoft.com/office/powerpoint/2010/main" val="3036701078"/>
+        <p14:creationId xmlns:p14="http://schemas.microsoft.com/office/powerpoint/2010/main" val="4160281815"/>
       </p:ext>
     </p:extLst>
   </p:cSld>
@@ -2104,9 +2095,9 @@
           <a:bodyPr/>
           <a:lstStyle/>
           <a:p>
-            <a:fld id="{CDE776D3-5318-4FF4-A181-E17F690F1411}" type="datetimeFigureOut">
-              <a:rPr lang="zh-CN" altLang="en-US" smtClean="0"/>
-              <a:t>2016/4/25</a:t>
+            <a:fld id="{4AC71409-4165-496A-8A36-48E20BAA80A4}" type="datetimeFigureOut">
+              <a:rPr lang="zh-CN" altLang="en-US" smtClean="0"/>
+              <a:t>2016/7/4</a:t>
             </a:fld>
             <a:endParaRPr lang="zh-CN" altLang="en-US"/>
           </a:p>
@@ -2146,7 +2137,7 @@
           <a:bodyPr/>
           <a:lstStyle/>
           <a:p>
-            <a:fld id="{7CB177EF-6D58-4449-9E3D-21442887CFA4}" type="slidenum">
+            <a:fld id="{31163AF7-19CB-4426-8721-768A05F740E3}" type="slidenum">
               <a:rPr lang="zh-CN" altLang="en-US" smtClean="0"/>
               <a:t>‹#›</a:t>
             </a:fld>
@@ -2157,7 +2148,7 @@
     </p:spTree>
     <p:extLst>
       <p:ext uri="{BB962C8B-B14F-4D97-AF65-F5344CB8AC3E}">
-        <p14:creationId xmlns:p14="http://schemas.microsoft.com/office/powerpoint/2010/main" val="3595257629"/>
+        <p14:creationId xmlns:p14="http://schemas.microsoft.com/office/powerpoint/2010/main" val="298773376"/>
       </p:ext>
     </p:extLst>
   </p:cSld>
@@ -2357,9 +2348,9 @@
           <a:bodyPr/>
           <a:lstStyle/>
           <a:p>
-            <a:fld id="{CDE776D3-5318-4FF4-A181-E17F690F1411}" type="datetimeFigureOut">
-              <a:rPr lang="zh-CN" altLang="en-US" smtClean="0"/>
-              <a:t>2016/4/25</a:t>
+            <a:fld id="{4AC71409-4165-496A-8A36-48E20BAA80A4}" type="datetimeFigureOut">
+              <a:rPr lang="zh-CN" altLang="en-US" smtClean="0"/>
+              <a:t>2016/7/4</a:t>
             </a:fld>
             <a:endParaRPr lang="zh-CN" altLang="en-US"/>
           </a:p>
@@ -2399,7 +2390,7 @@
           <a:bodyPr/>
           <a:lstStyle/>
           <a:p>
-            <a:fld id="{7CB177EF-6D58-4449-9E3D-21442887CFA4}" type="slidenum">
+            <a:fld id="{31163AF7-19CB-4426-8721-768A05F740E3}" type="slidenum">
               <a:rPr lang="zh-CN" altLang="en-US" smtClean="0"/>
               <a:t>‹#›</a:t>
             </a:fld>
@@ -2410,7 +2401,7 @@
     </p:spTree>
     <p:extLst>
       <p:ext uri="{BB962C8B-B14F-4D97-AF65-F5344CB8AC3E}">
-        <p14:creationId xmlns:p14="http://schemas.microsoft.com/office/powerpoint/2010/main" val="3368469480"/>
+        <p14:creationId xmlns:p14="http://schemas.microsoft.com/office/powerpoint/2010/main" val="2280716203"/>
       </p:ext>
     </p:extLst>
   </p:cSld>
@@ -2570,9 +2561,9 @@
             </a:lvl1pPr>
           </a:lstStyle>
           <a:p>
-            <a:fld id="{CDE776D3-5318-4FF4-A181-E17F690F1411}" type="datetimeFigureOut">
-              <a:rPr lang="zh-CN" altLang="en-US" smtClean="0"/>
-              <a:t>2016/4/25</a:t>
+            <a:fld id="{4AC71409-4165-496A-8A36-48E20BAA80A4}" type="datetimeFigureOut">
+              <a:rPr lang="zh-CN" altLang="en-US" smtClean="0"/>
+              <a:t>2016/7/4</a:t>
             </a:fld>
             <a:endParaRPr lang="zh-CN" altLang="en-US"/>
           </a:p>
@@ -2648,7 +2639,7 @@
             </a:lvl1pPr>
           </a:lstStyle>
           <a:p>
-            <a:fld id="{7CB177EF-6D58-4449-9E3D-21442887CFA4}" type="slidenum">
+            <a:fld id="{31163AF7-19CB-4426-8721-768A05F740E3}" type="slidenum">
               <a:rPr lang="zh-CN" altLang="en-US" smtClean="0"/>
               <a:t>‹#›</a:t>
             </a:fld>
@@ -2659,7 +2650,7 @@
     </p:spTree>
     <p:extLst>
       <p:ext uri="{BB962C8B-B14F-4D97-AF65-F5344CB8AC3E}">
-        <p14:creationId xmlns:p14="http://schemas.microsoft.com/office/powerpoint/2010/main" val="1089265986"/>
+        <p14:creationId xmlns:p14="http://schemas.microsoft.com/office/powerpoint/2010/main" val="1823250100"/>
       </p:ext>
     </p:extLst>
   </p:cSld>
@@ -2989,10 +2980,20 @@
         </p:nvSpPr>
         <p:spPr/>
         <p:txBody>
-          <a:bodyPr/>
-          <a:lstStyle/>
-          <a:p>
-            <a:endParaRPr lang="zh-CN" altLang="en-US"/>
+          <a:bodyPr>
+            <a:normAutofit/>
+          </a:bodyPr>
+          <a:lstStyle/>
+          <a:p>
+            <a:r>
+              <a:rPr lang="en-US" altLang="zh-CN" dirty="0"/>
+              <a:t>The k-means clustering </a:t>
+            </a:r>
+            <a:r>
+              <a:rPr lang="en-US" altLang="zh-CN" dirty="0" smtClean="0"/>
+              <a:t>algorithm</a:t>
+            </a:r>
+            <a:endParaRPr lang="zh-CN" altLang="en-US" dirty="0"/>
           </a:p>
         </p:txBody>
       </p:sp>
@@ -3011,38 +3012,18 @@
           <a:bodyPr/>
           <a:lstStyle/>
           <a:p>
-            <a:endParaRPr lang="zh-CN" altLang="en-US"/>
-          </a:p>
-        </p:txBody>
-      </p:sp>
-      <p:pic>
-        <p:nvPicPr>
-          <p:cNvPr id="4" name="图片 3"/>
-          <p:cNvPicPr>
-            <a:picLocks noChangeAspect="1"/>
-          </p:cNvPicPr>
-          <p:nvPr/>
-        </p:nvPicPr>
-        <p:blipFill>
-          <a:blip r:embed="rId2"/>
-          <a:stretch>
-            <a:fillRect/>
-          </a:stretch>
-        </p:blipFill>
-        <p:spPr>
-          <a:xfrm>
-            <a:off x="1321816" y="285750"/>
-            <a:ext cx="9548367" cy="6119115"/>
-          </a:xfrm>
-          <a:prstGeom prst="rect">
-            <a:avLst/>
-          </a:prstGeom>
-        </p:spPr>
-      </p:pic>
+            <a:r>
+              <a:rPr lang="en-US" altLang="zh-CN" dirty="0" smtClean="0"/>
+              <a:t>Tine</a:t>
+            </a:r>
+            <a:endParaRPr lang="zh-CN" altLang="en-US" dirty="0"/>
+          </a:p>
+        </p:txBody>
+      </p:sp>
     </p:spTree>
     <p:extLst>
       <p:ext uri="{BB962C8B-B14F-4D97-AF65-F5344CB8AC3E}">
-        <p14:creationId xmlns:p14="http://schemas.microsoft.com/office/powerpoint/2010/main" val="253329043"/>
+        <p14:creationId xmlns:p14="http://schemas.microsoft.com/office/powerpoint/2010/main" val="287952403"/>
       </p:ext>
     </p:extLst>
   </p:cSld>
@@ -3084,36 +3065,23 @@
           <a:bodyPr/>
           <a:lstStyle/>
           <a:p>
-            <a:endParaRPr lang="zh-CN" altLang="en-US"/>
-          </a:p>
-        </p:txBody>
-      </p:sp>
-      <p:sp>
-        <p:nvSpPr>
-          <p:cNvPr id="3" name="内容占位符 2"/>
-          <p:cNvSpPr>
-            <a:spLocks noGrp="1"/>
-          </p:cNvSpPr>
-          <p:nvPr>
-            <p:ph idx="1"/>
-          </p:nvPr>
-        </p:nvSpPr>
-        <p:spPr/>
-        <p:txBody>
-          <a:bodyPr/>
-          <a:lstStyle/>
-          <a:p>
-            <a:endParaRPr lang="zh-CN" altLang="en-US"/>
+            <a:r>
+              <a:rPr lang="en-US" altLang="zh-CN" dirty="0" smtClean="0"/>
+              <a:t> </a:t>
+            </a:r>
+            <a:endParaRPr lang="zh-CN" altLang="en-US" dirty="0"/>
           </a:p>
         </p:txBody>
       </p:sp>
       <p:pic>
         <p:nvPicPr>
-          <p:cNvPr id="4" name="图片 3"/>
+          <p:cNvPr id="4" name="内容占位符 3"/>
           <p:cNvPicPr>
-            <a:picLocks noChangeAspect="1"/>
+            <a:picLocks noGrp="1" noChangeAspect="1"/>
           </p:cNvPicPr>
-          <p:nvPr/>
+          <p:nvPr>
+            <p:ph idx="1"/>
+          </p:nvPr>
         </p:nvPicPr>
         <p:blipFill>
           <a:blip r:embed="rId2"/>
@@ -3123,8 +3091,32 @@
         </p:blipFill>
         <p:spPr>
           <a:xfrm>
-            <a:off x="838200" y="205123"/>
-            <a:ext cx="8210550" cy="6469959"/>
+            <a:off x="2342731" y="1027906"/>
+            <a:ext cx="6933333" cy="3761905"/>
+          </a:xfrm>
+          <a:prstGeom prst="rect">
+            <a:avLst/>
+          </a:prstGeom>
+        </p:spPr>
+      </p:pic>
+      <p:pic>
+        <p:nvPicPr>
+          <p:cNvPr id="5" name="图片 4"/>
+          <p:cNvPicPr>
+            <a:picLocks noChangeAspect="1"/>
+          </p:cNvPicPr>
+          <p:nvPr/>
+        </p:nvPicPr>
+        <p:blipFill>
+          <a:blip r:embed="rId3"/>
+          <a:stretch>
+            <a:fillRect/>
+          </a:stretch>
+        </p:blipFill>
+        <p:spPr>
+          <a:xfrm>
+            <a:off x="1042917" y="5094527"/>
+            <a:ext cx="9951971" cy="1470045"/>
           </a:xfrm>
           <a:prstGeom prst="rect">
             <a:avLst/>
@@ -3134,7 +3126,7 @@
     </p:spTree>
     <p:extLst>
       <p:ext uri="{BB962C8B-B14F-4D97-AF65-F5344CB8AC3E}">
-        <p14:creationId xmlns:p14="http://schemas.microsoft.com/office/powerpoint/2010/main" val="1767857111"/>
+        <p14:creationId xmlns:p14="http://schemas.microsoft.com/office/powerpoint/2010/main" val="3372617184"/>
       </p:ext>
     </p:extLst>
   </p:cSld>
@@ -3176,36 +3168,23 @@
           <a:bodyPr/>
           <a:lstStyle/>
           <a:p>
-            <a:endParaRPr lang="zh-CN" altLang="en-US"/>
-          </a:p>
-        </p:txBody>
-      </p:sp>
-      <p:sp>
-        <p:nvSpPr>
-          <p:cNvPr id="3" name="内容占位符 2"/>
-          <p:cNvSpPr>
-            <a:spLocks noGrp="1"/>
-          </p:cNvSpPr>
-          <p:nvPr>
-            <p:ph idx="1"/>
-          </p:nvPr>
-        </p:nvSpPr>
-        <p:spPr/>
-        <p:txBody>
-          <a:bodyPr/>
-          <a:lstStyle/>
-          <a:p>
-            <a:endParaRPr lang="zh-CN" altLang="en-US"/>
+            <a:r>
+              <a:rPr lang="en-US" altLang="zh-CN" dirty="0" smtClean="0"/>
+              <a:t> </a:t>
+            </a:r>
+            <a:endParaRPr lang="zh-CN" altLang="en-US" dirty="0"/>
           </a:p>
         </p:txBody>
       </p:sp>
       <p:pic>
         <p:nvPicPr>
-          <p:cNvPr id="5" name="图片 4"/>
+          <p:cNvPr id="4" name="内容占位符 3"/>
           <p:cNvPicPr>
-            <a:picLocks noChangeAspect="1"/>
+            <a:picLocks noGrp="1" noChangeAspect="1"/>
           </p:cNvPicPr>
-          <p:nvPr/>
+          <p:nvPr>
+            <p:ph idx="1"/>
+          </p:nvPr>
         </p:nvPicPr>
         <p:blipFill>
           <a:blip r:embed="rId2"/>
@@ -3215,8 +3194,8 @@
         </p:blipFill>
         <p:spPr>
           <a:xfrm>
-            <a:off x="976706" y="5536"/>
-            <a:ext cx="6948093" cy="6811855"/>
+            <a:off x="1438701" y="365125"/>
+            <a:ext cx="9042779" cy="5856380"/>
           </a:xfrm>
           <a:prstGeom prst="rect">
             <a:avLst/>
@@ -3226,7 +3205,7 @@
     </p:spTree>
     <p:extLst>
       <p:ext uri="{BB962C8B-B14F-4D97-AF65-F5344CB8AC3E}">
-        <p14:creationId xmlns:p14="http://schemas.microsoft.com/office/powerpoint/2010/main" val="18566547"/>
+        <p14:creationId xmlns:p14="http://schemas.microsoft.com/office/powerpoint/2010/main" val="2352491447"/>
       </p:ext>
     </p:extLst>
   </p:cSld>
@@ -3255,59 +3234,36 @@
       </p:grpSpPr>
       <p:sp>
         <p:nvSpPr>
-          <p:cNvPr id="3" name="内容占位符 2"/>
-          <p:cNvSpPr>
-            <a:spLocks noGrp="1"/>
-          </p:cNvSpPr>
-          <p:nvPr>
-            <p:ph idx="1"/>
-          </p:nvPr>
-        </p:nvSpPr>
-        <p:spPr/>
-        <p:txBody>
-          <a:bodyPr/>
-          <a:lstStyle/>
-          <a:p>
-            <a:endParaRPr lang="en-US" altLang="zh-CN" dirty="0" smtClean="0"/>
-          </a:p>
-          <a:p>
-            <a:endParaRPr lang="en-US" altLang="zh-CN" dirty="0"/>
-          </a:p>
-          <a:p>
-            <a:endParaRPr lang="en-US" altLang="zh-CN" dirty="0" smtClean="0"/>
-          </a:p>
-          <a:p>
-            <a:endParaRPr lang="en-US" altLang="zh-CN" dirty="0"/>
-          </a:p>
-          <a:p>
-            <a:endParaRPr lang="en-US" altLang="zh-CN" dirty="0" smtClean="0"/>
-          </a:p>
-          <a:p>
-            <a:r>
-              <a:rPr lang="en-US" altLang="zh-CN" dirty="0"/>
-              <a:t>The distortion function J is a non-convex function, and so coordinate</a:t>
-            </a:r>
-            <a:br>
-              <a:rPr lang="en-US" altLang="zh-CN" dirty="0"/>
-            </a:br>
-            <a:r>
-              <a:rPr lang="en-US" altLang="zh-CN" dirty="0"/>
-              <a:t>descent on J is not guaranteed to converge to the global minimum.</a:t>
-            </a:r>
-            <a:br>
-              <a:rPr lang="en-US" altLang="zh-CN" dirty="0"/>
-            </a:br>
+          <p:cNvPr id="2" name="标题 1"/>
+          <p:cNvSpPr>
+            <a:spLocks noGrp="1"/>
+          </p:cNvSpPr>
+          <p:nvPr>
+            <p:ph type="title"/>
+          </p:nvPr>
+        </p:nvSpPr>
+        <p:spPr/>
+        <p:txBody>
+          <a:bodyPr/>
+          <a:lstStyle/>
+          <a:p>
+            <a:r>
+              <a:rPr lang="en-US" altLang="zh-CN" dirty="0" smtClean="0"/>
+              <a:t> </a:t>
+            </a:r>
             <a:endParaRPr lang="zh-CN" altLang="en-US" dirty="0"/>
           </a:p>
         </p:txBody>
       </p:sp>
       <p:pic>
         <p:nvPicPr>
-          <p:cNvPr id="5" name="图片 4"/>
+          <p:cNvPr id="4" name="内容占位符 3"/>
           <p:cNvPicPr>
-            <a:picLocks noChangeAspect="1"/>
+            <a:picLocks noGrp="1" noChangeAspect="1"/>
           </p:cNvPicPr>
-          <p:nvPr/>
+          <p:nvPr>
+            <p:ph idx="1"/>
+          </p:nvPr>
         </p:nvPicPr>
         <p:blipFill>
           <a:blip r:embed="rId2"/>
@@ -3317,8 +3273,8 @@
         </p:blipFill>
         <p:spPr>
           <a:xfrm>
-            <a:off x="806634" y="1556630"/>
-            <a:ext cx="10547166" cy="2272420"/>
+            <a:off x="1570008" y="3152633"/>
+            <a:ext cx="9051984" cy="1696576"/>
           </a:xfrm>
           <a:prstGeom prst="rect">
             <a:avLst/>
@@ -3328,7 +3284,7 @@
     </p:spTree>
     <p:extLst>
       <p:ext uri="{BB962C8B-B14F-4D97-AF65-F5344CB8AC3E}">
-        <p14:creationId xmlns:p14="http://schemas.microsoft.com/office/powerpoint/2010/main" val="2511334220"/>
+        <p14:creationId xmlns:p14="http://schemas.microsoft.com/office/powerpoint/2010/main" val="4224481336"/>
       </p:ext>
     </p:extLst>
   </p:cSld>
@@ -3355,388 +3311,165 @@
           <a:chExt cx="0" cy="0"/>
         </a:xfrm>
       </p:grpSpPr>
-      <p:pic>
-        <p:nvPicPr>
-          <p:cNvPr id="6" name="图片 5"/>
-          <p:cNvPicPr>
-            <a:picLocks noChangeAspect="1"/>
-          </p:cNvPicPr>
-          <p:nvPr/>
-        </p:nvPicPr>
-        <p:blipFill>
-          <a:blip r:embed="rId2"/>
-          <a:stretch>
-            <a:fillRect/>
-          </a:stretch>
-        </p:blipFill>
-        <p:spPr>
-          <a:xfrm>
-            <a:off x="838200" y="1027906"/>
-            <a:ext cx="10626446" cy="3883025"/>
-          </a:xfrm>
-          <a:prstGeom prst="rect">
-            <a:avLst/>
-          </a:prstGeom>
-        </p:spPr>
-      </p:pic>
+      <p:sp>
+        <p:nvSpPr>
+          <p:cNvPr id="2" name="标题 1"/>
+          <p:cNvSpPr>
+            <a:spLocks noGrp="1"/>
+          </p:cNvSpPr>
+          <p:nvPr>
+            <p:ph type="title"/>
+          </p:nvPr>
+        </p:nvSpPr>
+        <p:spPr/>
+        <p:txBody>
+          <a:bodyPr/>
+          <a:lstStyle/>
+          <a:p>
+            <a:r>
+              <a:rPr lang="en-US" altLang="zh-CN" dirty="0" smtClean="0"/>
+              <a:t> </a:t>
+            </a:r>
+            <a:endParaRPr lang="zh-CN" altLang="en-US" dirty="0"/>
+          </a:p>
+        </p:txBody>
+      </p:sp>
+      <p:sp>
+        <p:nvSpPr>
+          <p:cNvPr id="3" name="内容占位符 2"/>
+          <p:cNvSpPr>
+            <a:spLocks noGrp="1"/>
+          </p:cNvSpPr>
+          <p:nvPr>
+            <p:ph idx="1"/>
+          </p:nvPr>
+        </p:nvSpPr>
+        <p:spPr/>
+        <p:txBody>
+          <a:bodyPr>
+            <a:normAutofit lnSpcReduction="10000"/>
+          </a:bodyPr>
+          <a:lstStyle/>
+          <a:p>
+            <a:r>
+              <a:rPr lang="en-US" altLang="zh-CN" dirty="0" smtClean="0"/>
+              <a:t>The </a:t>
+            </a:r>
+            <a:r>
+              <a:rPr lang="en-US" altLang="zh-CN" dirty="0"/>
+              <a:t>distortion function J is a non-convex function, and so coordinate</a:t>
+            </a:r>
+            <a:br>
+              <a:rPr lang="en-US" altLang="zh-CN" dirty="0"/>
+            </a:br>
+            <a:r>
+              <a:rPr lang="en-US" altLang="zh-CN" dirty="0"/>
+              <a:t>descent on J is not guaranteed to converge to the global </a:t>
+            </a:r>
+            <a:r>
+              <a:rPr lang="en-US" altLang="zh-CN" dirty="0" smtClean="0"/>
+              <a:t>minimum. In </a:t>
+            </a:r>
+            <a:r>
+              <a:rPr lang="en-US" altLang="zh-CN" dirty="0"/>
+              <a:t>other</a:t>
+            </a:r>
+            <a:br>
+              <a:rPr lang="en-US" altLang="zh-CN" dirty="0"/>
+            </a:br>
+            <a:r>
+              <a:rPr lang="en-US" altLang="zh-CN" dirty="0"/>
+              <a:t>words, k-means can be susceptible to local optima. </a:t>
+            </a:r>
+            <a:endParaRPr lang="en-US" altLang="zh-CN" dirty="0" smtClean="0"/>
+          </a:p>
+          <a:p>
+            <a:r>
+              <a:rPr lang="en-US" altLang="zh-CN" dirty="0" smtClean="0"/>
+              <a:t>Very </a:t>
+            </a:r>
+            <a:r>
+              <a:rPr lang="en-US" altLang="zh-CN" dirty="0"/>
+              <a:t>often k-means </a:t>
+            </a:r>
+            <a:r>
+              <a:rPr lang="en-US" altLang="zh-CN" dirty="0" err="1" smtClean="0"/>
+              <a:t>willwork</a:t>
+            </a:r>
+            <a:r>
+              <a:rPr lang="en-US" altLang="zh-CN" dirty="0" smtClean="0"/>
+              <a:t> </a:t>
+            </a:r>
+            <a:r>
+              <a:rPr lang="en-US" altLang="zh-CN" dirty="0"/>
+              <a:t>fine and come up with very good </a:t>
+            </a:r>
+            <a:r>
+              <a:rPr lang="en-US" altLang="zh-CN" dirty="0" err="1"/>
+              <a:t>clusterings</a:t>
+            </a:r>
+            <a:r>
+              <a:rPr lang="en-US" altLang="zh-CN" dirty="0"/>
+              <a:t> despite this. </a:t>
+            </a:r>
+            <a:endParaRPr lang="en-US" altLang="zh-CN" dirty="0" smtClean="0"/>
+          </a:p>
+          <a:p>
+            <a:r>
+              <a:rPr lang="en-US" altLang="zh-CN" dirty="0"/>
+              <a:t>O</a:t>
+            </a:r>
+            <a:r>
+              <a:rPr lang="en-US" altLang="zh-CN" dirty="0" smtClean="0"/>
+              <a:t>ne </a:t>
+            </a:r>
+            <a:r>
+              <a:rPr lang="en-US" altLang="zh-CN" dirty="0"/>
+              <a:t>common thing </a:t>
+            </a:r>
+            <a:r>
+              <a:rPr lang="en-US" altLang="zh-CN" dirty="0" smtClean="0"/>
+              <a:t>to do </a:t>
+            </a:r>
+            <a:r>
+              <a:rPr lang="en-US" altLang="zh-CN" dirty="0"/>
+              <a:t>is run k-means many times (using different random initial values for </a:t>
+            </a:r>
+            <a:r>
+              <a:rPr lang="en-US" altLang="zh-CN" dirty="0" smtClean="0"/>
+              <a:t>the cluster centroids). </a:t>
+            </a:r>
+            <a:r>
+              <a:rPr lang="en-US" altLang="zh-CN" dirty="0"/>
+              <a:t>Then, out of all the different </a:t>
+            </a:r>
+            <a:r>
+              <a:rPr lang="en-US" altLang="zh-CN" dirty="0" err="1"/>
+              <a:t>clusterings</a:t>
+            </a:r>
+            <a:r>
+              <a:rPr lang="en-US" altLang="zh-CN" dirty="0"/>
+              <a:t> found, </a:t>
+            </a:r>
+            <a:r>
+              <a:rPr lang="en-US" altLang="zh-CN" dirty="0" smtClean="0"/>
+              <a:t>pick the </a:t>
+            </a:r>
+            <a:r>
+              <a:rPr lang="en-US" altLang="zh-CN" dirty="0"/>
+              <a:t>one that gives the lowest distortion J(c, µ)</a:t>
+            </a:r>
+            <a:br>
+              <a:rPr lang="en-US" altLang="zh-CN" dirty="0"/>
+            </a:br>
+            <a:endParaRPr lang="zh-CN" altLang="en-US" dirty="0"/>
+          </a:p>
+        </p:txBody>
+      </p:sp>
     </p:spTree>
     <p:extLst>
       <p:ext uri="{BB962C8B-B14F-4D97-AF65-F5344CB8AC3E}">
-        <p14:creationId xmlns:p14="http://schemas.microsoft.com/office/powerpoint/2010/main" val="3199414926"/>
-      </p:ext>
-    </p:extLst>
-  </p:cSld>
-  <p:clrMapOvr>
-    <a:masterClrMapping/>
-  </p:clrMapOvr>
-</p:sld>
-</file>
-
-<file path=ppt/slides/slide6.xml><?xml version="1.0" encoding="utf-8"?>
-<p:sld xmlns:a="http://schemas.openxmlformats.org/drawingml/2006/main" xmlns:r="http://schemas.openxmlformats.org/officeDocument/2006/relationships" xmlns:p="http://schemas.openxmlformats.org/presentationml/2006/main">
-  <p:cSld>
-    <p:spTree>
-      <p:nvGrpSpPr>
-        <p:cNvPr id="1" name=""/>
-        <p:cNvGrpSpPr/>
-        <p:nvPr/>
-      </p:nvGrpSpPr>
-      <p:grpSpPr>
-        <a:xfrm>
-          <a:off x="0" y="0"/>
-          <a:ext cx="0" cy="0"/>
-          <a:chOff x="0" y="0"/>
-          <a:chExt cx="0" cy="0"/>
-        </a:xfrm>
-      </p:grpSpPr>
-      <p:sp>
-        <p:nvSpPr>
-          <p:cNvPr id="2" name="标题 1"/>
-          <p:cNvSpPr>
-            <a:spLocks noGrp="1"/>
-          </p:cNvSpPr>
-          <p:nvPr>
-            <p:ph type="title"/>
-          </p:nvPr>
-        </p:nvSpPr>
-        <p:spPr/>
-        <p:txBody>
-          <a:bodyPr/>
-          <a:lstStyle/>
-          <a:p>
-            <a:endParaRPr lang="zh-CN" altLang="en-US"/>
-          </a:p>
-        </p:txBody>
-      </p:sp>
-      <p:sp>
-        <p:nvSpPr>
-          <p:cNvPr id="3" name="内容占位符 2"/>
-          <p:cNvSpPr>
-            <a:spLocks noGrp="1"/>
-          </p:cNvSpPr>
-          <p:nvPr>
-            <p:ph idx="1"/>
-          </p:nvPr>
-        </p:nvSpPr>
-        <p:spPr/>
-        <p:txBody>
-          <a:bodyPr/>
-          <a:lstStyle/>
-          <a:p>
-            <a:endParaRPr lang="zh-CN" altLang="en-US"/>
-          </a:p>
-        </p:txBody>
-      </p:sp>
-      <p:pic>
-        <p:nvPicPr>
-          <p:cNvPr id="4" name="图片 3"/>
-          <p:cNvPicPr>
-            <a:picLocks noChangeAspect="1"/>
-          </p:cNvPicPr>
-          <p:nvPr/>
-        </p:nvPicPr>
-        <p:blipFill>
-          <a:blip r:embed="rId2"/>
-          <a:stretch>
-            <a:fillRect/>
-          </a:stretch>
-        </p:blipFill>
-        <p:spPr>
-          <a:xfrm>
-            <a:off x="638604" y="365125"/>
-            <a:ext cx="10067495" cy="5452064"/>
-          </a:xfrm>
-          <a:prstGeom prst="rect">
-            <a:avLst/>
-          </a:prstGeom>
-        </p:spPr>
-      </p:pic>
-    </p:spTree>
-    <p:extLst>
-      <p:ext uri="{BB962C8B-B14F-4D97-AF65-F5344CB8AC3E}">
-        <p14:creationId xmlns:p14="http://schemas.microsoft.com/office/powerpoint/2010/main" val="4144392511"/>
-      </p:ext>
-    </p:extLst>
-  </p:cSld>
-  <p:clrMapOvr>
-    <a:masterClrMapping/>
-  </p:clrMapOvr>
-</p:sld>
-</file>
-
-<file path=ppt/slides/slide7.xml><?xml version="1.0" encoding="utf-8"?>
-<p:sld xmlns:a="http://schemas.openxmlformats.org/drawingml/2006/main" xmlns:r="http://schemas.openxmlformats.org/officeDocument/2006/relationships" xmlns:p="http://schemas.openxmlformats.org/presentationml/2006/main">
-  <p:cSld>
-    <p:spTree>
-      <p:nvGrpSpPr>
-        <p:cNvPr id="1" name=""/>
-        <p:cNvGrpSpPr/>
-        <p:nvPr/>
-      </p:nvGrpSpPr>
-      <p:grpSpPr>
-        <a:xfrm>
-          <a:off x="0" y="0"/>
-          <a:ext cx="0" cy="0"/>
-          <a:chOff x="0" y="0"/>
-          <a:chExt cx="0" cy="0"/>
-        </a:xfrm>
-      </p:grpSpPr>
-      <p:sp>
-        <p:nvSpPr>
-          <p:cNvPr id="2" name="标题 1"/>
-          <p:cNvSpPr>
-            <a:spLocks noGrp="1"/>
-          </p:cNvSpPr>
-          <p:nvPr>
-            <p:ph type="title"/>
-          </p:nvPr>
-        </p:nvSpPr>
-        <p:spPr/>
-        <p:txBody>
-          <a:bodyPr/>
-          <a:lstStyle/>
-          <a:p>
-            <a:endParaRPr lang="zh-CN" altLang="en-US"/>
-          </a:p>
-        </p:txBody>
-      </p:sp>
-      <p:pic>
-        <p:nvPicPr>
-          <p:cNvPr id="5" name="内容占位符 4"/>
-          <p:cNvPicPr>
-            <a:picLocks noGrp="1" noChangeAspect="1"/>
-          </p:cNvPicPr>
-          <p:nvPr>
-            <p:ph idx="1"/>
-          </p:nvPr>
-        </p:nvPicPr>
-        <p:blipFill>
-          <a:blip r:embed="rId2">
-            <a:extLst>
-              <a:ext uri="{28A0092B-C50C-407E-A947-70E740481C1C}">
-                <a14:useLocalDpi xmlns:a14="http://schemas.microsoft.com/office/drawing/2010/main" val="0"/>
-              </a:ext>
-            </a:extLst>
-          </a:blip>
-          <a:stretch>
-            <a:fillRect/>
-          </a:stretch>
-        </p:blipFill>
-        <p:spPr>
-          <a:xfrm>
-            <a:off x="838200" y="365125"/>
-            <a:ext cx="10614188" cy="5826125"/>
-          </a:xfrm>
-        </p:spPr>
-      </p:pic>
-    </p:spTree>
-    <p:extLst>
-      <p:ext uri="{BB962C8B-B14F-4D97-AF65-F5344CB8AC3E}">
-        <p14:creationId xmlns:p14="http://schemas.microsoft.com/office/powerpoint/2010/main" val="2327580516"/>
-      </p:ext>
-    </p:extLst>
-  </p:cSld>
-  <p:clrMapOvr>
-    <a:masterClrMapping/>
-  </p:clrMapOvr>
-</p:sld>
-</file>
-
-<file path=ppt/slides/slide8.xml><?xml version="1.0" encoding="utf-8"?>
-<p:sld xmlns:a="http://schemas.openxmlformats.org/drawingml/2006/main" xmlns:r="http://schemas.openxmlformats.org/officeDocument/2006/relationships" xmlns:p="http://schemas.openxmlformats.org/presentationml/2006/main">
-  <p:cSld>
-    <p:spTree>
-      <p:nvGrpSpPr>
-        <p:cNvPr id="1" name=""/>
-        <p:cNvGrpSpPr/>
-        <p:nvPr/>
-      </p:nvGrpSpPr>
-      <p:grpSpPr>
-        <a:xfrm>
-          <a:off x="0" y="0"/>
-          <a:ext cx="0" cy="0"/>
-          <a:chOff x="0" y="0"/>
-          <a:chExt cx="0" cy="0"/>
-        </a:xfrm>
-      </p:grpSpPr>
-      <p:sp>
-        <p:nvSpPr>
-          <p:cNvPr id="2" name="标题 1"/>
-          <p:cNvSpPr>
-            <a:spLocks noGrp="1"/>
-          </p:cNvSpPr>
-          <p:nvPr>
-            <p:ph type="title"/>
-          </p:nvPr>
-        </p:nvSpPr>
-        <p:spPr/>
-        <p:txBody>
-          <a:bodyPr/>
-          <a:lstStyle/>
-          <a:p>
-            <a:endParaRPr lang="zh-CN" altLang="en-US"/>
-          </a:p>
-        </p:txBody>
-      </p:sp>
-      <p:sp>
-        <p:nvSpPr>
-          <p:cNvPr id="3" name="内容占位符 2"/>
-          <p:cNvSpPr>
-            <a:spLocks noGrp="1"/>
-          </p:cNvSpPr>
-          <p:nvPr>
-            <p:ph idx="1"/>
-          </p:nvPr>
-        </p:nvSpPr>
-        <p:spPr/>
-        <p:txBody>
-          <a:bodyPr/>
-          <a:lstStyle/>
-          <a:p>
-            <a:endParaRPr lang="zh-CN" altLang="en-US"/>
-          </a:p>
-        </p:txBody>
-      </p:sp>
-      <p:pic>
-        <p:nvPicPr>
-          <p:cNvPr id="4" name="图片 3"/>
-          <p:cNvPicPr>
-            <a:picLocks noChangeAspect="1"/>
-          </p:cNvPicPr>
-          <p:nvPr/>
-        </p:nvPicPr>
-        <p:blipFill>
-          <a:blip r:embed="rId2"/>
-          <a:stretch>
-            <a:fillRect/>
-          </a:stretch>
-        </p:blipFill>
-        <p:spPr>
-          <a:xfrm>
-            <a:off x="704849" y="499339"/>
-            <a:ext cx="10291517" cy="1710461"/>
-          </a:xfrm>
-          <a:prstGeom prst="rect">
-            <a:avLst/>
-          </a:prstGeom>
-        </p:spPr>
-      </p:pic>
-    </p:spTree>
-    <p:extLst>
-      <p:ext uri="{BB962C8B-B14F-4D97-AF65-F5344CB8AC3E}">
-        <p14:creationId xmlns:p14="http://schemas.microsoft.com/office/powerpoint/2010/main" val="4043017152"/>
-      </p:ext>
-    </p:extLst>
-  </p:cSld>
-  <p:clrMapOvr>
-    <a:masterClrMapping/>
-  </p:clrMapOvr>
-</p:sld>
-</file>
-
-<file path=ppt/slides/slide9.xml><?xml version="1.0" encoding="utf-8"?>
-<p:sld xmlns:a="http://schemas.openxmlformats.org/drawingml/2006/main" xmlns:r="http://schemas.openxmlformats.org/officeDocument/2006/relationships" xmlns:p="http://schemas.openxmlformats.org/presentationml/2006/main">
-  <p:cSld>
-    <p:spTree>
-      <p:nvGrpSpPr>
-        <p:cNvPr id="1" name=""/>
-        <p:cNvGrpSpPr/>
-        <p:nvPr/>
-      </p:nvGrpSpPr>
-      <p:grpSpPr>
-        <a:xfrm>
-          <a:off x="0" y="0"/>
-          <a:ext cx="0" cy="0"/>
-          <a:chOff x="0" y="0"/>
-          <a:chExt cx="0" cy="0"/>
-        </a:xfrm>
-      </p:grpSpPr>
-      <p:sp>
-        <p:nvSpPr>
-          <p:cNvPr id="2" name="标题 1"/>
-          <p:cNvSpPr>
-            <a:spLocks noGrp="1"/>
-          </p:cNvSpPr>
-          <p:nvPr>
-            <p:ph type="title"/>
-          </p:nvPr>
-        </p:nvSpPr>
-        <p:spPr/>
-        <p:txBody>
-          <a:bodyPr/>
-          <a:lstStyle/>
-          <a:p>
-            <a:endParaRPr lang="zh-CN" altLang="en-US"/>
-          </a:p>
-        </p:txBody>
-      </p:sp>
-      <p:sp>
-        <p:nvSpPr>
-          <p:cNvPr id="3" name="内容占位符 2"/>
-          <p:cNvSpPr>
-            <a:spLocks noGrp="1"/>
-          </p:cNvSpPr>
-          <p:nvPr>
-            <p:ph idx="1"/>
-          </p:nvPr>
-        </p:nvSpPr>
-        <p:spPr/>
-        <p:txBody>
-          <a:bodyPr/>
-          <a:lstStyle/>
-          <a:p>
-            <a:endParaRPr lang="zh-CN" altLang="en-US"/>
-          </a:p>
-        </p:txBody>
-      </p:sp>
-      <p:pic>
-        <p:nvPicPr>
-          <p:cNvPr id="4" name="图片 3"/>
-          <p:cNvPicPr>
-            <a:picLocks noChangeAspect="1"/>
-          </p:cNvPicPr>
-          <p:nvPr/>
-        </p:nvPicPr>
-        <p:blipFill>
-          <a:blip r:embed="rId2"/>
-          <a:stretch>
-            <a:fillRect/>
-          </a:stretch>
-        </p:blipFill>
-        <p:spPr>
-          <a:xfrm>
-            <a:off x="838200" y="0"/>
-            <a:ext cx="8458200" cy="6551102"/>
-          </a:xfrm>
-          <a:prstGeom prst="rect">
-            <a:avLst/>
-          </a:prstGeom>
-        </p:spPr>
-      </p:pic>
-    </p:spTree>
-    <p:extLst>
-      <p:ext uri="{BB962C8B-B14F-4D97-AF65-F5344CB8AC3E}">
-        <p14:creationId xmlns:p14="http://schemas.microsoft.com/office/powerpoint/2010/main" val="1569203254"/>
+        <p14:creationId xmlns:p14="http://schemas.microsoft.com/office/powerpoint/2010/main" val="2314938555"/>
       </p:ext>
     </p:extLst>
   </p:cSld>
